--- a/Reactive/ReactiveProgramming.pptx
+++ b/Reactive/ReactiveProgramming.pptx
@@ -5,7 +5,7 @@
     <p:sldMasterId id="2147483659" r:id="rId1"/>
   </p:sldMasterIdLst>
   <p:notesMasterIdLst>
-    <p:notesMasterId r:id="rId18"/>
+    <p:notesMasterId r:id="rId21"/>
   </p:notesMasterIdLst>
   <p:sldIdLst>
     <p:sldId id="256" r:id="rId2"/>
@@ -24,6 +24,9 @@
     <p:sldId id="269" r:id="rId15"/>
     <p:sldId id="270" r:id="rId16"/>
     <p:sldId id="271" r:id="rId17"/>
+    <p:sldId id="272" r:id="rId18"/>
+    <p:sldId id="273" r:id="rId19"/>
+    <p:sldId id="274" r:id="rId20"/>
   </p:sldIdLst>
   <p:sldSz cx="9144000" cy="5143500" type="screen16x9"/>
   <p:notesSz cx="6858000" cy="9144000"/>
@@ -7185,6 +7188,1103 @@
 </p:sld>
 </file>
 
+<file path=ppt/slides/slide17.xml><?xml version="1.0" encoding="utf-8"?>
+<p:sld xmlns:a="http://schemas.openxmlformats.org/drawingml/2006/main" xmlns:r="http://schemas.openxmlformats.org/officeDocument/2006/relationships" xmlns:p="http://schemas.openxmlformats.org/presentationml/2006/main">
+  <p:cSld>
+    <p:spTree>
+      <p:nvGrpSpPr>
+        <p:cNvPr id="1" name=""/>
+        <p:cNvGrpSpPr/>
+        <p:nvPr/>
+      </p:nvGrpSpPr>
+      <p:grpSpPr>
+        <a:xfrm>
+          <a:off x="0" y="0"/>
+          <a:ext cx="0" cy="0"/>
+          <a:chOff x="0" y="0"/>
+          <a:chExt cx="0" cy="0"/>
+        </a:xfrm>
+      </p:grpSpPr>
+      <p:sp>
+        <p:nvSpPr>
+          <p:cNvPr id="2" name="Title 1">
+            <a:extLst>
+              <a:ext uri="{FF2B5EF4-FFF2-40B4-BE49-F238E27FC236}">
+                <a16:creationId xmlns:a16="http://schemas.microsoft.com/office/drawing/2014/main" id="{6B6BC988-92B5-8246-8B76-486FCB898DEC}"/>
+              </a:ext>
+            </a:extLst>
+          </p:cNvPr>
+          <p:cNvSpPr>
+            <a:spLocks noGrp="1"/>
+          </p:cNvSpPr>
+          <p:nvPr>
+            <p:ph type="title"/>
+          </p:nvPr>
+        </p:nvSpPr>
+        <p:spPr/>
+        <p:txBody>
+          <a:bodyPr/>
+          <a:lstStyle/>
+          <a:p>
+            <a:r>
+              <a:rPr lang="en-VN"/>
+              <a:t>Tạo dự án WebFlux Spring Boot</a:t>
+            </a:r>
+          </a:p>
+        </p:txBody>
+      </p:sp>
+    </p:spTree>
+    <p:extLst>
+      <p:ext uri="{BB962C8B-B14F-4D97-AF65-F5344CB8AC3E}">
+        <p14:creationId xmlns:p14="http://schemas.microsoft.com/office/powerpoint/2010/main" val="742979131"/>
+      </p:ext>
+    </p:extLst>
+  </p:cSld>
+  <p:clrMapOvr>
+    <a:masterClrMapping/>
+  </p:clrMapOvr>
+</p:sld>
+</file>
+
+<file path=ppt/slides/slide18.xml><?xml version="1.0" encoding="utf-8"?>
+<p:sld xmlns:a="http://schemas.openxmlformats.org/drawingml/2006/main" xmlns:r="http://schemas.openxmlformats.org/officeDocument/2006/relationships" xmlns:p="http://schemas.openxmlformats.org/presentationml/2006/main">
+  <p:cSld>
+    <p:spTree>
+      <p:nvGrpSpPr>
+        <p:cNvPr id="1" name=""/>
+        <p:cNvGrpSpPr/>
+        <p:nvPr/>
+      </p:nvGrpSpPr>
+      <p:grpSpPr>
+        <a:xfrm>
+          <a:off x="0" y="0"/>
+          <a:ext cx="0" cy="0"/>
+          <a:chOff x="0" y="0"/>
+          <a:chExt cx="0" cy="0"/>
+        </a:xfrm>
+      </p:grpSpPr>
+      <p:sp>
+        <p:nvSpPr>
+          <p:cNvPr id="2" name="Title 1">
+            <a:extLst>
+              <a:ext uri="{FF2B5EF4-FFF2-40B4-BE49-F238E27FC236}">
+                <a16:creationId xmlns:a16="http://schemas.microsoft.com/office/drawing/2014/main" id="{771C125D-5F10-D545-80B5-2C39737D05B5}"/>
+              </a:ext>
+            </a:extLst>
+          </p:cNvPr>
+          <p:cNvSpPr>
+            <a:spLocks noGrp="1"/>
+          </p:cNvSpPr>
+          <p:nvPr>
+            <p:ph type="title"/>
+          </p:nvPr>
+        </p:nvSpPr>
+        <p:spPr/>
+        <p:txBody>
+          <a:bodyPr/>
+          <a:lstStyle/>
+          <a:p>
+            <a:r>
+              <a:rPr lang="en-VN"/>
+              <a:t>Dependecies</a:t>
+            </a:r>
+          </a:p>
+        </p:txBody>
+      </p:sp>
+      <p:sp>
+        <p:nvSpPr>
+          <p:cNvPr id="3" name="Text Placeholder 2">
+            <a:extLst>
+              <a:ext uri="{FF2B5EF4-FFF2-40B4-BE49-F238E27FC236}">
+                <a16:creationId xmlns:a16="http://schemas.microsoft.com/office/drawing/2014/main" id="{8340A369-4B6A-144D-8817-21EA52F687CC}"/>
+              </a:ext>
+            </a:extLst>
+          </p:cNvPr>
+          <p:cNvSpPr>
+            <a:spLocks noGrp="1"/>
+          </p:cNvSpPr>
+          <p:nvPr>
+            <p:ph type="body" idx="1"/>
+          </p:nvPr>
+        </p:nvSpPr>
+        <p:spPr/>
+        <p:txBody>
+          <a:bodyPr/>
+          <a:lstStyle/>
+          <a:p>
+            <a:r>
+              <a:rPr lang="en-VN"/>
+              <a:t>Spring Reactive Web</a:t>
+            </a:r>
+          </a:p>
+          <a:p>
+            <a:r>
+              <a:rPr lang="en-VN"/>
+              <a:t>Spring Data Reactive MongoDB</a:t>
+            </a:r>
+          </a:p>
+          <a:p>
+            <a:r>
+              <a:rPr lang="en-VN"/>
+              <a:t>Lombok</a:t>
+            </a:r>
+          </a:p>
+        </p:txBody>
+      </p:sp>
+    </p:spTree>
+    <p:extLst>
+      <p:ext uri="{BB962C8B-B14F-4D97-AF65-F5344CB8AC3E}">
+        <p14:creationId xmlns:p14="http://schemas.microsoft.com/office/powerpoint/2010/main" val="4188712546"/>
+      </p:ext>
+    </p:extLst>
+  </p:cSld>
+  <p:clrMapOvr>
+    <a:masterClrMapping/>
+  </p:clrMapOvr>
+</p:sld>
+</file>
+
+<file path=ppt/slides/slide19.xml><?xml version="1.0" encoding="utf-8"?>
+<p:sld xmlns:a="http://schemas.openxmlformats.org/drawingml/2006/main" xmlns:r="http://schemas.openxmlformats.org/officeDocument/2006/relationships" xmlns:p="http://schemas.openxmlformats.org/presentationml/2006/main">
+  <p:cSld>
+    <p:spTree>
+      <p:nvGrpSpPr>
+        <p:cNvPr id="1" name=""/>
+        <p:cNvGrpSpPr/>
+        <p:nvPr/>
+      </p:nvGrpSpPr>
+      <p:grpSpPr>
+        <a:xfrm>
+          <a:off x="0" y="0"/>
+          <a:ext cx="0" cy="0"/>
+          <a:chOff x="0" y="0"/>
+          <a:chExt cx="0" cy="0"/>
+        </a:xfrm>
+      </p:grpSpPr>
+      <p:sp>
+        <p:nvSpPr>
+          <p:cNvPr id="2" name="Rectangle 1">
+            <a:extLst>
+              <a:ext uri="{FF2B5EF4-FFF2-40B4-BE49-F238E27FC236}">
+                <a16:creationId xmlns:a16="http://schemas.microsoft.com/office/drawing/2014/main" id="{A7E3096F-8257-1441-A8C2-9AB62C05A0B0}"/>
+              </a:ext>
+            </a:extLst>
+          </p:cNvPr>
+          <p:cNvSpPr/>
+          <p:nvPr/>
+        </p:nvSpPr>
+        <p:spPr>
+          <a:xfrm>
+            <a:off x="158697" y="254082"/>
+            <a:ext cx="8788821" cy="4501745"/>
+          </a:xfrm>
+          <a:prstGeom prst="rect">
+            <a:avLst/>
+          </a:prstGeom>
+          <a:solidFill>
+            <a:schemeClr val="bg2"/>
+          </a:solidFill>
+        </p:spPr>
+        <p:txBody>
+          <a:bodyPr wrap="square">
+            <a:spAutoFit/>
+          </a:bodyPr>
+          <a:lstStyle/>
+          <a:p>
+            <a:pPr>
+              <a:lnSpc>
+                <a:spcPct val="120000"/>
+              </a:lnSpc>
+            </a:pPr>
+            <a:r>
+              <a:rPr lang="en-US" sz="1600">
+                <a:solidFill>
+                  <a:srgbClr val="808080"/>
+                </a:solidFill>
+                <a:latin typeface="RobotoMono Nerd Font" pitchFamily="2" charset="0"/>
+                <a:ea typeface="RobotoMono Nerd Font" pitchFamily="2" charset="0"/>
+              </a:rPr>
+              <a:t>&lt;</a:t>
+            </a:r>
+            <a:r>
+              <a:rPr lang="en-US" sz="1600">
+                <a:solidFill>
+                  <a:srgbClr val="569CD6"/>
+                </a:solidFill>
+                <a:latin typeface="RobotoMono Nerd Font" pitchFamily="2" charset="0"/>
+                <a:ea typeface="RobotoMono Nerd Font" pitchFamily="2" charset="0"/>
+              </a:rPr>
+              <a:t>dependency</a:t>
+            </a:r>
+            <a:r>
+              <a:rPr lang="en-US" sz="1600">
+                <a:solidFill>
+                  <a:srgbClr val="808080"/>
+                </a:solidFill>
+                <a:latin typeface="RobotoMono Nerd Font" pitchFamily="2" charset="0"/>
+                <a:ea typeface="RobotoMono Nerd Font" pitchFamily="2" charset="0"/>
+              </a:rPr>
+              <a:t>&gt;</a:t>
+            </a:r>
+            <a:endParaRPr lang="en-US" sz="1600">
+              <a:solidFill>
+                <a:srgbClr val="D4D4D4"/>
+              </a:solidFill>
+              <a:latin typeface="RobotoMono Nerd Font" pitchFamily="2" charset="0"/>
+              <a:ea typeface="RobotoMono Nerd Font" pitchFamily="2" charset="0"/>
+            </a:endParaRPr>
+          </a:p>
+          <a:p>
+            <a:pPr>
+              <a:lnSpc>
+                <a:spcPct val="120000"/>
+              </a:lnSpc>
+            </a:pPr>
+            <a:r>
+              <a:rPr lang="en-US" sz="1600">
+                <a:solidFill>
+                  <a:srgbClr val="808080"/>
+                </a:solidFill>
+                <a:latin typeface="RobotoMono Nerd Font" pitchFamily="2" charset="0"/>
+                <a:ea typeface="RobotoMono Nerd Font" pitchFamily="2" charset="0"/>
+              </a:rPr>
+              <a:t>  &lt;</a:t>
+            </a:r>
+            <a:r>
+              <a:rPr lang="en-US" sz="1600">
+                <a:solidFill>
+                  <a:srgbClr val="569CD6"/>
+                </a:solidFill>
+                <a:latin typeface="RobotoMono Nerd Font" pitchFamily="2" charset="0"/>
+                <a:ea typeface="RobotoMono Nerd Font" pitchFamily="2" charset="0"/>
+              </a:rPr>
+              <a:t>groupId</a:t>
+            </a:r>
+            <a:r>
+              <a:rPr lang="en-US" sz="1600">
+                <a:solidFill>
+                  <a:srgbClr val="808080"/>
+                </a:solidFill>
+                <a:latin typeface="RobotoMono Nerd Font" pitchFamily="2" charset="0"/>
+                <a:ea typeface="RobotoMono Nerd Font" pitchFamily="2" charset="0"/>
+              </a:rPr>
+              <a:t>&gt;</a:t>
+            </a:r>
+            <a:r>
+              <a:rPr lang="en-US" sz="1600">
+                <a:solidFill>
+                  <a:srgbClr val="D4D4D4"/>
+                </a:solidFill>
+                <a:latin typeface="RobotoMono Nerd Font" pitchFamily="2" charset="0"/>
+                <a:ea typeface="RobotoMono Nerd Font" pitchFamily="2" charset="0"/>
+              </a:rPr>
+              <a:t>org.springframework.boot</a:t>
+            </a:r>
+            <a:r>
+              <a:rPr lang="en-US" sz="1600">
+                <a:solidFill>
+                  <a:srgbClr val="808080"/>
+                </a:solidFill>
+                <a:latin typeface="RobotoMono Nerd Font" pitchFamily="2" charset="0"/>
+                <a:ea typeface="RobotoMono Nerd Font" pitchFamily="2" charset="0"/>
+              </a:rPr>
+              <a:t>&lt;/</a:t>
+            </a:r>
+            <a:r>
+              <a:rPr lang="en-US" sz="1600">
+                <a:solidFill>
+                  <a:srgbClr val="569CD6"/>
+                </a:solidFill>
+                <a:latin typeface="RobotoMono Nerd Font" pitchFamily="2" charset="0"/>
+                <a:ea typeface="RobotoMono Nerd Font" pitchFamily="2" charset="0"/>
+              </a:rPr>
+              <a:t>groupId</a:t>
+            </a:r>
+            <a:r>
+              <a:rPr lang="en-US" sz="1600">
+                <a:solidFill>
+                  <a:srgbClr val="808080"/>
+                </a:solidFill>
+                <a:latin typeface="RobotoMono Nerd Font" pitchFamily="2" charset="0"/>
+                <a:ea typeface="RobotoMono Nerd Font" pitchFamily="2" charset="0"/>
+              </a:rPr>
+              <a:t>&gt;</a:t>
+            </a:r>
+            <a:endParaRPr lang="en-US" sz="1600">
+              <a:solidFill>
+                <a:srgbClr val="D4D4D4"/>
+              </a:solidFill>
+              <a:latin typeface="RobotoMono Nerd Font" pitchFamily="2" charset="0"/>
+              <a:ea typeface="RobotoMono Nerd Font" pitchFamily="2" charset="0"/>
+            </a:endParaRPr>
+          </a:p>
+          <a:p>
+            <a:pPr>
+              <a:lnSpc>
+                <a:spcPct val="120000"/>
+              </a:lnSpc>
+            </a:pPr>
+            <a:r>
+              <a:rPr lang="en-US" sz="1600">
+                <a:solidFill>
+                  <a:srgbClr val="808080"/>
+                </a:solidFill>
+                <a:latin typeface="RobotoMono Nerd Font" pitchFamily="2" charset="0"/>
+                <a:ea typeface="RobotoMono Nerd Font" pitchFamily="2" charset="0"/>
+              </a:rPr>
+              <a:t>  &lt;</a:t>
+            </a:r>
+            <a:r>
+              <a:rPr lang="en-US" sz="1600">
+                <a:solidFill>
+                  <a:srgbClr val="569CD6"/>
+                </a:solidFill>
+                <a:latin typeface="RobotoMono Nerd Font" pitchFamily="2" charset="0"/>
+                <a:ea typeface="RobotoMono Nerd Font" pitchFamily="2" charset="0"/>
+              </a:rPr>
+              <a:t>artifactId</a:t>
+            </a:r>
+            <a:r>
+              <a:rPr lang="en-US" sz="1600">
+                <a:solidFill>
+                  <a:srgbClr val="808080"/>
+                </a:solidFill>
+                <a:latin typeface="RobotoMono Nerd Font" pitchFamily="2" charset="0"/>
+                <a:ea typeface="RobotoMono Nerd Font" pitchFamily="2" charset="0"/>
+              </a:rPr>
+              <a:t>&gt;</a:t>
+            </a:r>
+            <a:r>
+              <a:rPr lang="en-US" sz="1600">
+                <a:solidFill>
+                  <a:srgbClr val="D4D4D4"/>
+                </a:solidFill>
+                <a:latin typeface="RobotoMono Nerd Font" pitchFamily="2" charset="0"/>
+                <a:ea typeface="RobotoMono Nerd Font" pitchFamily="2" charset="0"/>
+              </a:rPr>
+              <a:t>spring-boot-starter-data-mongodb-reactive</a:t>
+            </a:r>
+            <a:r>
+              <a:rPr lang="en-US" sz="1600">
+                <a:solidFill>
+                  <a:srgbClr val="808080"/>
+                </a:solidFill>
+                <a:latin typeface="RobotoMono Nerd Font" pitchFamily="2" charset="0"/>
+                <a:ea typeface="RobotoMono Nerd Font" pitchFamily="2" charset="0"/>
+              </a:rPr>
+              <a:t>&lt;/</a:t>
+            </a:r>
+            <a:r>
+              <a:rPr lang="en-US" sz="1600">
+                <a:solidFill>
+                  <a:srgbClr val="569CD6"/>
+                </a:solidFill>
+                <a:latin typeface="RobotoMono Nerd Font" pitchFamily="2" charset="0"/>
+                <a:ea typeface="RobotoMono Nerd Font" pitchFamily="2" charset="0"/>
+              </a:rPr>
+              <a:t>artifactId</a:t>
+            </a:r>
+            <a:r>
+              <a:rPr lang="en-US" sz="1600">
+                <a:solidFill>
+                  <a:srgbClr val="808080"/>
+                </a:solidFill>
+                <a:latin typeface="RobotoMono Nerd Font" pitchFamily="2" charset="0"/>
+                <a:ea typeface="RobotoMono Nerd Font" pitchFamily="2" charset="0"/>
+              </a:rPr>
+              <a:t>&gt;</a:t>
+            </a:r>
+            <a:endParaRPr lang="en-US" sz="1600">
+              <a:solidFill>
+                <a:srgbClr val="D4D4D4"/>
+              </a:solidFill>
+              <a:latin typeface="RobotoMono Nerd Font" pitchFamily="2" charset="0"/>
+              <a:ea typeface="RobotoMono Nerd Font" pitchFamily="2" charset="0"/>
+            </a:endParaRPr>
+          </a:p>
+          <a:p>
+            <a:pPr>
+              <a:lnSpc>
+                <a:spcPct val="120000"/>
+              </a:lnSpc>
+            </a:pPr>
+            <a:r>
+              <a:rPr lang="en-US" sz="1600">
+                <a:solidFill>
+                  <a:srgbClr val="808080"/>
+                </a:solidFill>
+                <a:latin typeface="RobotoMono Nerd Font" pitchFamily="2" charset="0"/>
+                <a:ea typeface="RobotoMono Nerd Font" pitchFamily="2" charset="0"/>
+              </a:rPr>
+              <a:t>&lt;/</a:t>
+            </a:r>
+            <a:r>
+              <a:rPr lang="en-US" sz="1600">
+                <a:solidFill>
+                  <a:srgbClr val="569CD6"/>
+                </a:solidFill>
+                <a:latin typeface="RobotoMono Nerd Font" pitchFamily="2" charset="0"/>
+                <a:ea typeface="RobotoMono Nerd Font" pitchFamily="2" charset="0"/>
+              </a:rPr>
+              <a:t>dependency</a:t>
+            </a:r>
+            <a:r>
+              <a:rPr lang="en-US" sz="1600">
+                <a:solidFill>
+                  <a:srgbClr val="808080"/>
+                </a:solidFill>
+                <a:latin typeface="RobotoMono Nerd Font" pitchFamily="2" charset="0"/>
+                <a:ea typeface="RobotoMono Nerd Font" pitchFamily="2" charset="0"/>
+              </a:rPr>
+              <a:t>&gt;</a:t>
+            </a:r>
+            <a:endParaRPr lang="en-US" sz="1600">
+              <a:solidFill>
+                <a:srgbClr val="D4D4D4"/>
+              </a:solidFill>
+              <a:latin typeface="RobotoMono Nerd Font" pitchFamily="2" charset="0"/>
+              <a:ea typeface="RobotoMono Nerd Font" pitchFamily="2" charset="0"/>
+            </a:endParaRPr>
+          </a:p>
+          <a:p>
+            <a:pPr>
+              <a:lnSpc>
+                <a:spcPct val="120000"/>
+              </a:lnSpc>
+            </a:pPr>
+            <a:endParaRPr lang="en-US" sz="1600">
+              <a:solidFill>
+                <a:srgbClr val="808080"/>
+              </a:solidFill>
+              <a:latin typeface="RobotoMono Nerd Font" pitchFamily="2" charset="0"/>
+              <a:ea typeface="RobotoMono Nerd Font" pitchFamily="2" charset="0"/>
+            </a:endParaRPr>
+          </a:p>
+          <a:p>
+            <a:pPr>
+              <a:lnSpc>
+                <a:spcPct val="120000"/>
+              </a:lnSpc>
+            </a:pPr>
+            <a:r>
+              <a:rPr lang="en-US" sz="1600">
+                <a:solidFill>
+                  <a:srgbClr val="808080"/>
+                </a:solidFill>
+                <a:latin typeface="RobotoMono Nerd Font" pitchFamily="2" charset="0"/>
+                <a:ea typeface="RobotoMono Nerd Font" pitchFamily="2" charset="0"/>
+              </a:rPr>
+              <a:t>&lt;</a:t>
+            </a:r>
+            <a:r>
+              <a:rPr lang="en-US" sz="1600">
+                <a:solidFill>
+                  <a:srgbClr val="569CD6"/>
+                </a:solidFill>
+                <a:latin typeface="RobotoMono Nerd Font" pitchFamily="2" charset="0"/>
+                <a:ea typeface="RobotoMono Nerd Font" pitchFamily="2" charset="0"/>
+              </a:rPr>
+              <a:t>dependency</a:t>
+            </a:r>
+            <a:r>
+              <a:rPr lang="en-US" sz="1600">
+                <a:solidFill>
+                  <a:srgbClr val="808080"/>
+                </a:solidFill>
+                <a:latin typeface="RobotoMono Nerd Font" pitchFamily="2" charset="0"/>
+                <a:ea typeface="RobotoMono Nerd Font" pitchFamily="2" charset="0"/>
+              </a:rPr>
+              <a:t>&gt;</a:t>
+            </a:r>
+            <a:endParaRPr lang="en-US" sz="1600">
+              <a:solidFill>
+                <a:srgbClr val="D4D4D4"/>
+              </a:solidFill>
+              <a:latin typeface="RobotoMono Nerd Font" pitchFamily="2" charset="0"/>
+              <a:ea typeface="RobotoMono Nerd Font" pitchFamily="2" charset="0"/>
+            </a:endParaRPr>
+          </a:p>
+          <a:p>
+            <a:pPr>
+              <a:lnSpc>
+                <a:spcPct val="120000"/>
+              </a:lnSpc>
+            </a:pPr>
+            <a:r>
+              <a:rPr lang="en-US" sz="1600">
+                <a:solidFill>
+                  <a:srgbClr val="808080"/>
+                </a:solidFill>
+                <a:latin typeface="RobotoMono Nerd Font" pitchFamily="2" charset="0"/>
+                <a:ea typeface="RobotoMono Nerd Font" pitchFamily="2" charset="0"/>
+              </a:rPr>
+              <a:t>  &lt;</a:t>
+            </a:r>
+            <a:r>
+              <a:rPr lang="en-US" sz="1600">
+                <a:solidFill>
+                  <a:srgbClr val="569CD6"/>
+                </a:solidFill>
+                <a:latin typeface="RobotoMono Nerd Font" pitchFamily="2" charset="0"/>
+                <a:ea typeface="RobotoMono Nerd Font" pitchFamily="2" charset="0"/>
+              </a:rPr>
+              <a:t>groupId</a:t>
+            </a:r>
+            <a:r>
+              <a:rPr lang="en-US" sz="1600">
+                <a:solidFill>
+                  <a:srgbClr val="808080"/>
+                </a:solidFill>
+                <a:latin typeface="RobotoMono Nerd Font" pitchFamily="2" charset="0"/>
+                <a:ea typeface="RobotoMono Nerd Font" pitchFamily="2" charset="0"/>
+              </a:rPr>
+              <a:t>&gt;</a:t>
+            </a:r>
+            <a:r>
+              <a:rPr lang="en-US" sz="1600">
+                <a:solidFill>
+                  <a:srgbClr val="D4D4D4"/>
+                </a:solidFill>
+                <a:latin typeface="RobotoMono Nerd Font" pitchFamily="2" charset="0"/>
+                <a:ea typeface="RobotoMono Nerd Font" pitchFamily="2" charset="0"/>
+              </a:rPr>
+              <a:t>org.springframework.boot</a:t>
+            </a:r>
+            <a:r>
+              <a:rPr lang="en-US" sz="1600">
+                <a:solidFill>
+                  <a:srgbClr val="808080"/>
+                </a:solidFill>
+                <a:latin typeface="RobotoMono Nerd Font" pitchFamily="2" charset="0"/>
+                <a:ea typeface="RobotoMono Nerd Font" pitchFamily="2" charset="0"/>
+              </a:rPr>
+              <a:t>&lt;/</a:t>
+            </a:r>
+            <a:r>
+              <a:rPr lang="en-US" sz="1600">
+                <a:solidFill>
+                  <a:srgbClr val="569CD6"/>
+                </a:solidFill>
+                <a:latin typeface="RobotoMono Nerd Font" pitchFamily="2" charset="0"/>
+                <a:ea typeface="RobotoMono Nerd Font" pitchFamily="2" charset="0"/>
+              </a:rPr>
+              <a:t>groupId</a:t>
+            </a:r>
+            <a:r>
+              <a:rPr lang="en-US" sz="1600">
+                <a:solidFill>
+                  <a:srgbClr val="808080"/>
+                </a:solidFill>
+                <a:latin typeface="RobotoMono Nerd Font" pitchFamily="2" charset="0"/>
+                <a:ea typeface="RobotoMono Nerd Font" pitchFamily="2" charset="0"/>
+              </a:rPr>
+              <a:t>&gt;</a:t>
+            </a:r>
+            <a:endParaRPr lang="en-US" sz="1600">
+              <a:solidFill>
+                <a:srgbClr val="D4D4D4"/>
+              </a:solidFill>
+              <a:latin typeface="RobotoMono Nerd Font" pitchFamily="2" charset="0"/>
+              <a:ea typeface="RobotoMono Nerd Font" pitchFamily="2" charset="0"/>
+            </a:endParaRPr>
+          </a:p>
+          <a:p>
+            <a:pPr>
+              <a:lnSpc>
+                <a:spcPct val="120000"/>
+              </a:lnSpc>
+            </a:pPr>
+            <a:r>
+              <a:rPr lang="en-US" sz="1600">
+                <a:solidFill>
+                  <a:srgbClr val="808080"/>
+                </a:solidFill>
+                <a:latin typeface="RobotoMono Nerd Font" pitchFamily="2" charset="0"/>
+                <a:ea typeface="RobotoMono Nerd Font" pitchFamily="2" charset="0"/>
+              </a:rPr>
+              <a:t>  &lt;</a:t>
+            </a:r>
+            <a:r>
+              <a:rPr lang="en-US" sz="1600">
+                <a:solidFill>
+                  <a:srgbClr val="569CD6"/>
+                </a:solidFill>
+                <a:latin typeface="RobotoMono Nerd Font" pitchFamily="2" charset="0"/>
+                <a:ea typeface="RobotoMono Nerd Font" pitchFamily="2" charset="0"/>
+              </a:rPr>
+              <a:t>artifactId</a:t>
+            </a:r>
+            <a:r>
+              <a:rPr lang="en-US" sz="1600">
+                <a:solidFill>
+                  <a:srgbClr val="808080"/>
+                </a:solidFill>
+                <a:latin typeface="RobotoMono Nerd Font" pitchFamily="2" charset="0"/>
+                <a:ea typeface="RobotoMono Nerd Font" pitchFamily="2" charset="0"/>
+              </a:rPr>
+              <a:t>&gt;</a:t>
+            </a:r>
+            <a:r>
+              <a:rPr lang="en-US" sz="1600">
+                <a:solidFill>
+                  <a:srgbClr val="D4D4D4"/>
+                </a:solidFill>
+                <a:latin typeface="RobotoMono Nerd Font" pitchFamily="2" charset="0"/>
+                <a:ea typeface="RobotoMono Nerd Font" pitchFamily="2" charset="0"/>
+              </a:rPr>
+              <a:t>spring-boot-starter-webflux</a:t>
+            </a:r>
+            <a:r>
+              <a:rPr lang="en-US" sz="1600">
+                <a:solidFill>
+                  <a:srgbClr val="808080"/>
+                </a:solidFill>
+                <a:latin typeface="RobotoMono Nerd Font" pitchFamily="2" charset="0"/>
+                <a:ea typeface="RobotoMono Nerd Font" pitchFamily="2" charset="0"/>
+              </a:rPr>
+              <a:t>&lt;/</a:t>
+            </a:r>
+            <a:r>
+              <a:rPr lang="en-US" sz="1600">
+                <a:solidFill>
+                  <a:srgbClr val="569CD6"/>
+                </a:solidFill>
+                <a:latin typeface="RobotoMono Nerd Font" pitchFamily="2" charset="0"/>
+                <a:ea typeface="RobotoMono Nerd Font" pitchFamily="2" charset="0"/>
+              </a:rPr>
+              <a:t>artifactId</a:t>
+            </a:r>
+            <a:r>
+              <a:rPr lang="en-US" sz="1600">
+                <a:solidFill>
+                  <a:srgbClr val="808080"/>
+                </a:solidFill>
+                <a:latin typeface="RobotoMono Nerd Font" pitchFamily="2" charset="0"/>
+                <a:ea typeface="RobotoMono Nerd Font" pitchFamily="2" charset="0"/>
+              </a:rPr>
+              <a:t>&gt;</a:t>
+            </a:r>
+            <a:endParaRPr lang="en-US" sz="1600">
+              <a:solidFill>
+                <a:srgbClr val="D4D4D4"/>
+              </a:solidFill>
+              <a:latin typeface="RobotoMono Nerd Font" pitchFamily="2" charset="0"/>
+              <a:ea typeface="RobotoMono Nerd Font" pitchFamily="2" charset="0"/>
+            </a:endParaRPr>
+          </a:p>
+          <a:p>
+            <a:pPr>
+              <a:lnSpc>
+                <a:spcPct val="120000"/>
+              </a:lnSpc>
+            </a:pPr>
+            <a:r>
+              <a:rPr lang="en-US" sz="1600">
+                <a:solidFill>
+                  <a:srgbClr val="808080"/>
+                </a:solidFill>
+                <a:latin typeface="RobotoMono Nerd Font" pitchFamily="2" charset="0"/>
+                <a:ea typeface="RobotoMono Nerd Font" pitchFamily="2" charset="0"/>
+              </a:rPr>
+              <a:t>&lt;/</a:t>
+            </a:r>
+            <a:r>
+              <a:rPr lang="en-US" sz="1600">
+                <a:solidFill>
+                  <a:srgbClr val="569CD6"/>
+                </a:solidFill>
+                <a:latin typeface="RobotoMono Nerd Font" pitchFamily="2" charset="0"/>
+                <a:ea typeface="RobotoMono Nerd Font" pitchFamily="2" charset="0"/>
+              </a:rPr>
+              <a:t>dependency</a:t>
+            </a:r>
+            <a:r>
+              <a:rPr lang="en-US" sz="1600">
+                <a:solidFill>
+                  <a:srgbClr val="808080"/>
+                </a:solidFill>
+                <a:latin typeface="RobotoMono Nerd Font" pitchFamily="2" charset="0"/>
+                <a:ea typeface="RobotoMono Nerd Font" pitchFamily="2" charset="0"/>
+              </a:rPr>
+              <a:t>&gt;</a:t>
+            </a:r>
+            <a:endParaRPr lang="en-US" sz="1600">
+              <a:solidFill>
+                <a:srgbClr val="D4D4D4"/>
+              </a:solidFill>
+              <a:latin typeface="RobotoMono Nerd Font" pitchFamily="2" charset="0"/>
+              <a:ea typeface="RobotoMono Nerd Font" pitchFamily="2" charset="0"/>
+            </a:endParaRPr>
+          </a:p>
+          <a:p>
+            <a:pPr>
+              <a:lnSpc>
+                <a:spcPct val="120000"/>
+              </a:lnSpc>
+            </a:pPr>
+            <a:endParaRPr lang="en-US" sz="1600">
+              <a:solidFill>
+                <a:srgbClr val="808080"/>
+              </a:solidFill>
+              <a:latin typeface="RobotoMono Nerd Font" pitchFamily="2" charset="0"/>
+              <a:ea typeface="RobotoMono Nerd Font" pitchFamily="2" charset="0"/>
+            </a:endParaRPr>
+          </a:p>
+          <a:p>
+            <a:pPr>
+              <a:lnSpc>
+                <a:spcPct val="120000"/>
+              </a:lnSpc>
+            </a:pPr>
+            <a:r>
+              <a:rPr lang="en-US" sz="1600">
+                <a:solidFill>
+                  <a:srgbClr val="808080"/>
+                </a:solidFill>
+                <a:latin typeface="RobotoMono Nerd Font" pitchFamily="2" charset="0"/>
+                <a:ea typeface="RobotoMono Nerd Font" pitchFamily="2" charset="0"/>
+              </a:rPr>
+              <a:t>&lt;</a:t>
+            </a:r>
+            <a:r>
+              <a:rPr lang="en-US" sz="1600">
+                <a:solidFill>
+                  <a:srgbClr val="569CD6"/>
+                </a:solidFill>
+                <a:latin typeface="RobotoMono Nerd Font" pitchFamily="2" charset="0"/>
+                <a:ea typeface="RobotoMono Nerd Font" pitchFamily="2" charset="0"/>
+              </a:rPr>
+              <a:t>dependency</a:t>
+            </a:r>
+            <a:r>
+              <a:rPr lang="en-US" sz="1600">
+                <a:solidFill>
+                  <a:srgbClr val="808080"/>
+                </a:solidFill>
+                <a:latin typeface="RobotoMono Nerd Font" pitchFamily="2" charset="0"/>
+                <a:ea typeface="RobotoMono Nerd Font" pitchFamily="2" charset="0"/>
+              </a:rPr>
+              <a:t>&gt;</a:t>
+            </a:r>
+            <a:endParaRPr lang="en-US" sz="1600">
+              <a:solidFill>
+                <a:srgbClr val="D4D4D4"/>
+              </a:solidFill>
+              <a:latin typeface="RobotoMono Nerd Font" pitchFamily="2" charset="0"/>
+              <a:ea typeface="RobotoMono Nerd Font" pitchFamily="2" charset="0"/>
+            </a:endParaRPr>
+          </a:p>
+          <a:p>
+            <a:pPr>
+              <a:lnSpc>
+                <a:spcPct val="120000"/>
+              </a:lnSpc>
+            </a:pPr>
+            <a:r>
+              <a:rPr lang="en-US" sz="1600">
+                <a:solidFill>
+                  <a:srgbClr val="808080"/>
+                </a:solidFill>
+                <a:latin typeface="RobotoMono Nerd Font" pitchFamily="2" charset="0"/>
+                <a:ea typeface="RobotoMono Nerd Font" pitchFamily="2" charset="0"/>
+              </a:rPr>
+              <a:t>  &lt;</a:t>
+            </a:r>
+            <a:r>
+              <a:rPr lang="en-US" sz="1600">
+                <a:solidFill>
+                  <a:srgbClr val="569CD6"/>
+                </a:solidFill>
+                <a:latin typeface="RobotoMono Nerd Font" pitchFamily="2" charset="0"/>
+                <a:ea typeface="RobotoMono Nerd Font" pitchFamily="2" charset="0"/>
+              </a:rPr>
+              <a:t>groupId</a:t>
+            </a:r>
+            <a:r>
+              <a:rPr lang="en-US" sz="1600">
+                <a:solidFill>
+                  <a:srgbClr val="808080"/>
+                </a:solidFill>
+                <a:latin typeface="RobotoMono Nerd Font" pitchFamily="2" charset="0"/>
+                <a:ea typeface="RobotoMono Nerd Font" pitchFamily="2" charset="0"/>
+              </a:rPr>
+              <a:t>&gt;</a:t>
+            </a:r>
+            <a:r>
+              <a:rPr lang="en-US" sz="1600">
+                <a:solidFill>
+                  <a:srgbClr val="D4D4D4"/>
+                </a:solidFill>
+                <a:latin typeface="RobotoMono Nerd Font" pitchFamily="2" charset="0"/>
+                <a:ea typeface="RobotoMono Nerd Font" pitchFamily="2" charset="0"/>
+              </a:rPr>
+              <a:t>org.projectlombok</a:t>
+            </a:r>
+            <a:r>
+              <a:rPr lang="en-US" sz="1600">
+                <a:solidFill>
+                  <a:srgbClr val="808080"/>
+                </a:solidFill>
+                <a:latin typeface="RobotoMono Nerd Font" pitchFamily="2" charset="0"/>
+                <a:ea typeface="RobotoMono Nerd Font" pitchFamily="2" charset="0"/>
+              </a:rPr>
+              <a:t>&lt;/</a:t>
+            </a:r>
+            <a:r>
+              <a:rPr lang="en-US" sz="1600">
+                <a:solidFill>
+                  <a:srgbClr val="569CD6"/>
+                </a:solidFill>
+                <a:latin typeface="RobotoMono Nerd Font" pitchFamily="2" charset="0"/>
+                <a:ea typeface="RobotoMono Nerd Font" pitchFamily="2" charset="0"/>
+              </a:rPr>
+              <a:t>groupId</a:t>
+            </a:r>
+            <a:r>
+              <a:rPr lang="en-US" sz="1600">
+                <a:solidFill>
+                  <a:srgbClr val="808080"/>
+                </a:solidFill>
+                <a:latin typeface="RobotoMono Nerd Font" pitchFamily="2" charset="0"/>
+                <a:ea typeface="RobotoMono Nerd Font" pitchFamily="2" charset="0"/>
+              </a:rPr>
+              <a:t>&gt;</a:t>
+            </a:r>
+            <a:endParaRPr lang="en-US" sz="1600">
+              <a:solidFill>
+                <a:srgbClr val="D4D4D4"/>
+              </a:solidFill>
+              <a:latin typeface="RobotoMono Nerd Font" pitchFamily="2" charset="0"/>
+              <a:ea typeface="RobotoMono Nerd Font" pitchFamily="2" charset="0"/>
+            </a:endParaRPr>
+          </a:p>
+          <a:p>
+            <a:pPr>
+              <a:lnSpc>
+                <a:spcPct val="120000"/>
+              </a:lnSpc>
+            </a:pPr>
+            <a:r>
+              <a:rPr lang="en-US" sz="1600">
+                <a:solidFill>
+                  <a:srgbClr val="808080"/>
+                </a:solidFill>
+                <a:latin typeface="RobotoMono Nerd Font" pitchFamily="2" charset="0"/>
+                <a:ea typeface="RobotoMono Nerd Font" pitchFamily="2" charset="0"/>
+              </a:rPr>
+              <a:t>  &lt;</a:t>
+            </a:r>
+            <a:r>
+              <a:rPr lang="en-US" sz="1600">
+                <a:solidFill>
+                  <a:srgbClr val="569CD6"/>
+                </a:solidFill>
+                <a:latin typeface="RobotoMono Nerd Font" pitchFamily="2" charset="0"/>
+                <a:ea typeface="RobotoMono Nerd Font" pitchFamily="2" charset="0"/>
+              </a:rPr>
+              <a:t>artifactId</a:t>
+            </a:r>
+            <a:r>
+              <a:rPr lang="en-US" sz="1600">
+                <a:solidFill>
+                  <a:srgbClr val="808080"/>
+                </a:solidFill>
+                <a:latin typeface="RobotoMono Nerd Font" pitchFamily="2" charset="0"/>
+                <a:ea typeface="RobotoMono Nerd Font" pitchFamily="2" charset="0"/>
+              </a:rPr>
+              <a:t>&gt;</a:t>
+            </a:r>
+            <a:r>
+              <a:rPr lang="en-US" sz="1600">
+                <a:solidFill>
+                  <a:srgbClr val="D4D4D4"/>
+                </a:solidFill>
+                <a:latin typeface="RobotoMono Nerd Font" pitchFamily="2" charset="0"/>
+                <a:ea typeface="RobotoMono Nerd Font" pitchFamily="2" charset="0"/>
+              </a:rPr>
+              <a:t>lombok</a:t>
+            </a:r>
+            <a:r>
+              <a:rPr lang="en-US" sz="1600">
+                <a:solidFill>
+                  <a:srgbClr val="808080"/>
+                </a:solidFill>
+                <a:latin typeface="RobotoMono Nerd Font" pitchFamily="2" charset="0"/>
+                <a:ea typeface="RobotoMono Nerd Font" pitchFamily="2" charset="0"/>
+              </a:rPr>
+              <a:t>&lt;/</a:t>
+            </a:r>
+            <a:r>
+              <a:rPr lang="en-US" sz="1600">
+                <a:solidFill>
+                  <a:srgbClr val="569CD6"/>
+                </a:solidFill>
+                <a:latin typeface="RobotoMono Nerd Font" pitchFamily="2" charset="0"/>
+                <a:ea typeface="RobotoMono Nerd Font" pitchFamily="2" charset="0"/>
+              </a:rPr>
+              <a:t>artifactId</a:t>
+            </a:r>
+            <a:r>
+              <a:rPr lang="en-US" sz="1600">
+                <a:solidFill>
+                  <a:srgbClr val="808080"/>
+                </a:solidFill>
+                <a:latin typeface="RobotoMono Nerd Font" pitchFamily="2" charset="0"/>
+                <a:ea typeface="RobotoMono Nerd Font" pitchFamily="2" charset="0"/>
+              </a:rPr>
+              <a:t>&gt;</a:t>
+            </a:r>
+            <a:endParaRPr lang="en-US" sz="1600">
+              <a:solidFill>
+                <a:srgbClr val="D4D4D4"/>
+              </a:solidFill>
+              <a:latin typeface="RobotoMono Nerd Font" pitchFamily="2" charset="0"/>
+              <a:ea typeface="RobotoMono Nerd Font" pitchFamily="2" charset="0"/>
+            </a:endParaRPr>
+          </a:p>
+          <a:p>
+            <a:pPr>
+              <a:lnSpc>
+                <a:spcPct val="120000"/>
+              </a:lnSpc>
+            </a:pPr>
+            <a:r>
+              <a:rPr lang="en-US" sz="1600">
+                <a:solidFill>
+                  <a:srgbClr val="808080"/>
+                </a:solidFill>
+                <a:latin typeface="RobotoMono Nerd Font" pitchFamily="2" charset="0"/>
+                <a:ea typeface="RobotoMono Nerd Font" pitchFamily="2" charset="0"/>
+              </a:rPr>
+              <a:t>  &lt;</a:t>
+            </a:r>
+            <a:r>
+              <a:rPr lang="en-US" sz="1600">
+                <a:solidFill>
+                  <a:srgbClr val="569CD6"/>
+                </a:solidFill>
+                <a:latin typeface="RobotoMono Nerd Font" pitchFamily="2" charset="0"/>
+                <a:ea typeface="RobotoMono Nerd Font" pitchFamily="2" charset="0"/>
+              </a:rPr>
+              <a:t>optional</a:t>
+            </a:r>
+            <a:r>
+              <a:rPr lang="en-US" sz="1600">
+                <a:solidFill>
+                  <a:srgbClr val="808080"/>
+                </a:solidFill>
+                <a:latin typeface="RobotoMono Nerd Font" pitchFamily="2" charset="0"/>
+                <a:ea typeface="RobotoMono Nerd Font" pitchFamily="2" charset="0"/>
+              </a:rPr>
+              <a:t>&gt;</a:t>
+            </a:r>
+            <a:r>
+              <a:rPr lang="en-US" sz="1600">
+                <a:solidFill>
+                  <a:srgbClr val="D4D4D4"/>
+                </a:solidFill>
+                <a:latin typeface="RobotoMono Nerd Font" pitchFamily="2" charset="0"/>
+                <a:ea typeface="RobotoMono Nerd Font" pitchFamily="2" charset="0"/>
+              </a:rPr>
+              <a:t>true</a:t>
+            </a:r>
+            <a:r>
+              <a:rPr lang="en-US" sz="1600">
+                <a:solidFill>
+                  <a:srgbClr val="808080"/>
+                </a:solidFill>
+                <a:latin typeface="RobotoMono Nerd Font" pitchFamily="2" charset="0"/>
+                <a:ea typeface="RobotoMono Nerd Font" pitchFamily="2" charset="0"/>
+              </a:rPr>
+              <a:t>&lt;/</a:t>
+            </a:r>
+            <a:r>
+              <a:rPr lang="en-US" sz="1600">
+                <a:solidFill>
+                  <a:srgbClr val="569CD6"/>
+                </a:solidFill>
+                <a:latin typeface="RobotoMono Nerd Font" pitchFamily="2" charset="0"/>
+                <a:ea typeface="RobotoMono Nerd Font" pitchFamily="2" charset="0"/>
+              </a:rPr>
+              <a:t>optional</a:t>
+            </a:r>
+            <a:r>
+              <a:rPr lang="en-US" sz="1600">
+                <a:solidFill>
+                  <a:srgbClr val="808080"/>
+                </a:solidFill>
+                <a:latin typeface="RobotoMono Nerd Font" pitchFamily="2" charset="0"/>
+                <a:ea typeface="RobotoMono Nerd Font" pitchFamily="2" charset="0"/>
+              </a:rPr>
+              <a:t>&gt;</a:t>
+            </a:r>
+            <a:endParaRPr lang="en-US" sz="1600">
+              <a:solidFill>
+                <a:srgbClr val="D4D4D4"/>
+              </a:solidFill>
+              <a:latin typeface="RobotoMono Nerd Font" pitchFamily="2" charset="0"/>
+              <a:ea typeface="RobotoMono Nerd Font" pitchFamily="2" charset="0"/>
+            </a:endParaRPr>
+          </a:p>
+          <a:p>
+            <a:pPr>
+              <a:lnSpc>
+                <a:spcPct val="120000"/>
+              </a:lnSpc>
+            </a:pPr>
+            <a:r>
+              <a:rPr lang="en-US" sz="1600">
+                <a:solidFill>
+                  <a:srgbClr val="808080"/>
+                </a:solidFill>
+                <a:latin typeface="RobotoMono Nerd Font" pitchFamily="2" charset="0"/>
+                <a:ea typeface="RobotoMono Nerd Font" pitchFamily="2" charset="0"/>
+              </a:rPr>
+              <a:t>&lt;/</a:t>
+            </a:r>
+            <a:r>
+              <a:rPr lang="en-US" sz="1600">
+                <a:solidFill>
+                  <a:srgbClr val="569CD6"/>
+                </a:solidFill>
+                <a:latin typeface="RobotoMono Nerd Font" pitchFamily="2" charset="0"/>
+                <a:ea typeface="RobotoMono Nerd Font" pitchFamily="2" charset="0"/>
+              </a:rPr>
+              <a:t>dependency</a:t>
+            </a:r>
+            <a:r>
+              <a:rPr lang="en-US" sz="1600">
+                <a:solidFill>
+                  <a:srgbClr val="808080"/>
+                </a:solidFill>
+                <a:latin typeface="RobotoMono Nerd Font" pitchFamily="2" charset="0"/>
+                <a:ea typeface="RobotoMono Nerd Font" pitchFamily="2" charset="0"/>
+              </a:rPr>
+              <a:t>&gt;</a:t>
+            </a:r>
+            <a:endParaRPr lang="en-US" sz="1600">
+              <a:solidFill>
+                <a:srgbClr val="D4D4D4"/>
+              </a:solidFill>
+              <a:latin typeface="RobotoMono Nerd Font" pitchFamily="2" charset="0"/>
+              <a:ea typeface="RobotoMono Nerd Font" pitchFamily="2" charset="0"/>
+            </a:endParaRPr>
+          </a:p>
+        </p:txBody>
+      </p:sp>
+    </p:spTree>
+    <p:extLst>
+      <p:ext uri="{BB962C8B-B14F-4D97-AF65-F5344CB8AC3E}">
+        <p14:creationId xmlns:p14="http://schemas.microsoft.com/office/powerpoint/2010/main" val="1523058156"/>
+      </p:ext>
+    </p:extLst>
+  </p:cSld>
+  <p:clrMapOvr>
+    <a:masterClrMapping/>
+  </p:clrMapOvr>
+</p:sld>
+</file>
+
 <file path=ppt/slides/slide2.xml><?xml version="1.0" encoding="utf-8"?>
 <p:sld xmlns:a="http://schemas.openxmlformats.org/drawingml/2006/main" xmlns:r="http://schemas.openxmlformats.org/officeDocument/2006/relationships" xmlns:p="http://schemas.openxmlformats.org/presentationml/2006/main">
   <p:cSld>
